--- a/자기소개_안진혁.pptx
+++ b/자기소개_안진혁.pptx
@@ -2767,6 +2767,134 @@
           <a:chExt cx="0" cy="0"/>
         </a:xfrm>
       </p:grpSpPr>
+      <p:grpSp>
+        <p:nvGrpSpPr>
+          <p:cNvPr id="11" name="그룹 10">
+            <a:extLst>
+              <a:ext uri="{FF2B5EF4-FFF2-40B4-BE49-F238E27FC236}">
+                <a16:creationId xmlns:a16="http://schemas.microsoft.com/office/drawing/2014/main" id="{912EEF7A-8458-2857-BC0B-BC004199180F}"/>
+              </a:ext>
+            </a:extLst>
+          </p:cNvPr>
+          <p:cNvGrpSpPr/>
+          <p:nvPr userDrawn="1"/>
+        </p:nvGrpSpPr>
+        <p:grpSpPr>
+          <a:xfrm>
+            <a:off x="0" y="0"/>
+            <a:ext cx="12192000" cy="6858000"/>
+            <a:chOff x="0" y="0"/>
+            <a:chExt cx="12192000" cy="6858000"/>
+          </a:xfrm>
+        </p:grpSpPr>
+        <p:sp>
+          <p:nvSpPr>
+            <p:cNvPr id="9" name="직사각형 8">
+              <a:extLst>
+                <a:ext uri="{FF2B5EF4-FFF2-40B4-BE49-F238E27FC236}">
+                  <a16:creationId xmlns:a16="http://schemas.microsoft.com/office/drawing/2014/main" id="{FC1CB5BF-C289-9C7A-F425-638660359E67}"/>
+                </a:ext>
+              </a:extLst>
+            </p:cNvPr>
+            <p:cNvSpPr/>
+            <p:nvPr userDrawn="1"/>
+          </p:nvSpPr>
+          <p:spPr>
+            <a:xfrm>
+              <a:off x="0" y="0"/>
+              <a:ext cx="12192000" cy="6858000"/>
+            </a:xfrm>
+            <a:prstGeom prst="rect">
+              <a:avLst/>
+            </a:prstGeom>
+            <a:solidFill>
+              <a:schemeClr val="accent2">
+                <a:lumMod val="20000"/>
+                <a:lumOff val="80000"/>
+              </a:schemeClr>
+            </a:solidFill>
+            <a:ln>
+              <a:noFill/>
+            </a:ln>
+          </p:spPr>
+          <p:style>
+            <a:lnRef idx="2">
+              <a:schemeClr val="accent1">
+                <a:shade val="50000"/>
+              </a:schemeClr>
+            </a:lnRef>
+            <a:fillRef idx="1">
+              <a:schemeClr val="accent1"/>
+            </a:fillRef>
+            <a:effectRef idx="0">
+              <a:schemeClr val="accent1"/>
+            </a:effectRef>
+            <a:fontRef idx="minor">
+              <a:schemeClr val="lt1"/>
+            </a:fontRef>
+          </p:style>
+          <p:txBody>
+            <a:bodyPr rtlCol="0" anchor="ctr"/>
+            <a:lstStyle/>
+            <a:p>
+              <a:pPr algn="ctr"/>
+              <a:endParaRPr lang="ko-KR" altLang="en-US"/>
+            </a:p>
+          </p:txBody>
+        </p:sp>
+        <p:sp>
+          <p:nvSpPr>
+            <p:cNvPr id="10" name="직사각형 9">
+              <a:extLst>
+                <a:ext uri="{FF2B5EF4-FFF2-40B4-BE49-F238E27FC236}">
+                  <a16:creationId xmlns:a16="http://schemas.microsoft.com/office/drawing/2014/main" id="{F7CAB2F3-858F-F2EB-B68F-FA63BDEFFC2F}"/>
+                </a:ext>
+              </a:extLst>
+            </p:cNvPr>
+            <p:cNvSpPr/>
+            <p:nvPr userDrawn="1"/>
+          </p:nvSpPr>
+          <p:spPr>
+            <a:xfrm>
+              <a:off x="146649" y="136525"/>
+              <a:ext cx="11861321" cy="6584950"/>
+            </a:xfrm>
+            <a:prstGeom prst="rect">
+              <a:avLst/>
+            </a:prstGeom>
+            <a:solidFill>
+              <a:schemeClr val="bg1"/>
+            </a:solidFill>
+            <a:ln>
+              <a:noFill/>
+            </a:ln>
+          </p:spPr>
+          <p:style>
+            <a:lnRef idx="2">
+              <a:schemeClr val="accent1">
+                <a:shade val="50000"/>
+              </a:schemeClr>
+            </a:lnRef>
+            <a:fillRef idx="1">
+              <a:schemeClr val="accent1"/>
+            </a:fillRef>
+            <a:effectRef idx="0">
+              <a:schemeClr val="accent1"/>
+            </a:effectRef>
+            <a:fontRef idx="minor">
+              <a:schemeClr val="lt1"/>
+            </a:fontRef>
+          </p:style>
+          <p:txBody>
+            <a:bodyPr rtlCol="0" anchor="ctr"/>
+            <a:lstStyle/>
+            <a:p>
+              <a:pPr algn="ctr"/>
+              <a:endParaRPr lang="ko-KR" altLang="en-US" dirty="0"/>
+            </a:p>
+          </p:txBody>
+        </p:sp>
+      </p:grpSp>
       <p:sp>
         <p:nvSpPr>
           <p:cNvPr id="2" name="제목 개체 틀 1">
@@ -3006,6 +3134,288 @@
               <a:t>‹#›</a:t>
             </a:fld>
             <a:endParaRPr lang="ko-KR" altLang="en-US"/>
+          </a:p>
+        </p:txBody>
+      </p:sp>
+      <p:pic>
+        <p:nvPicPr>
+          <p:cNvPr id="8" name="그림 7" descr="천사 태피 고양이">
+            <a:extLst>
+              <a:ext uri="{FF2B5EF4-FFF2-40B4-BE49-F238E27FC236}">
+                <a16:creationId xmlns:a16="http://schemas.microsoft.com/office/drawing/2014/main" id="{2A77D2C0-ACC2-5AE5-3AC9-B6E8A4B63C9B}"/>
+              </a:ext>
+            </a:extLst>
+          </p:cNvPr>
+          <p:cNvPicPr>
+            <a:picLocks noChangeAspect="1"/>
+          </p:cNvPicPr>
+          <p:nvPr userDrawn="1"/>
+        </p:nvPicPr>
+        <p:blipFill>
+          <a:blip r:embed="rId13">
+            <a:extLst>
+              <a:ext uri="{28A0092B-C50C-407E-A947-70E740481C1C}">
+                <a14:useLocalDpi xmlns:a14="http://schemas.microsoft.com/office/drawing/2010/main" val="0"/>
+              </a:ext>
+            </a:extLst>
+          </a:blip>
+          <a:stretch>
+            <a:fillRect/>
+          </a:stretch>
+        </p:blipFill>
+        <p:spPr>
+          <a:xfrm>
+            <a:off x="-533400" y="5080958"/>
+            <a:ext cx="2743200" cy="1958195"/>
+          </a:xfrm>
+          <a:prstGeom prst="rect">
+            <a:avLst/>
+          </a:prstGeom>
+        </p:spPr>
+      </p:pic>
+      <p:sp>
+        <p:nvSpPr>
+          <p:cNvPr id="12" name="1/2 액자 11">
+            <a:extLst>
+              <a:ext uri="{FF2B5EF4-FFF2-40B4-BE49-F238E27FC236}">
+                <a16:creationId xmlns:a16="http://schemas.microsoft.com/office/drawing/2014/main" id="{8432BE18-757E-B8F8-3F20-78688D1B951A}"/>
+              </a:ext>
+            </a:extLst>
+          </p:cNvPr>
+          <p:cNvSpPr/>
+          <p:nvPr userDrawn="1"/>
+        </p:nvSpPr>
+        <p:spPr>
+          <a:xfrm>
+            <a:off x="0" y="0"/>
+            <a:ext cx="422694" cy="431321"/>
+          </a:xfrm>
+          <a:prstGeom prst="halfFrame">
+            <a:avLst/>
+          </a:prstGeom>
+          <a:solidFill>
+            <a:srgbClr val="FCE47C"/>
+          </a:solidFill>
+          <a:ln>
+            <a:solidFill>
+              <a:schemeClr val="accent4">
+                <a:lumMod val="75000"/>
+              </a:schemeClr>
+            </a:solidFill>
+          </a:ln>
+        </p:spPr>
+        <p:style>
+          <a:lnRef idx="2">
+            <a:schemeClr val="accent1">
+              <a:shade val="50000"/>
+            </a:schemeClr>
+          </a:lnRef>
+          <a:fillRef idx="1">
+            <a:schemeClr val="accent1"/>
+          </a:fillRef>
+          <a:effectRef idx="0">
+            <a:schemeClr val="accent1"/>
+          </a:effectRef>
+          <a:fontRef idx="minor">
+            <a:schemeClr val="lt1"/>
+          </a:fontRef>
+        </p:style>
+        <p:txBody>
+          <a:bodyPr rtlCol="0" anchor="ctr"/>
+          <a:lstStyle/>
+          <a:p>
+            <a:pPr algn="ctr"/>
+            <a:endParaRPr lang="ko-KR" altLang="en-US">
+              <a:solidFill>
+                <a:schemeClr val="tx1"/>
+              </a:solidFill>
+            </a:endParaRPr>
+          </a:p>
+        </p:txBody>
+      </p:sp>
+      <p:sp>
+        <p:nvSpPr>
+          <p:cNvPr id="13" name="1/2 액자 12">
+            <a:extLst>
+              <a:ext uri="{FF2B5EF4-FFF2-40B4-BE49-F238E27FC236}">
+                <a16:creationId xmlns:a16="http://schemas.microsoft.com/office/drawing/2014/main" id="{50104DF3-706E-FF11-F478-AF9843A59EF0}"/>
+              </a:ext>
+            </a:extLst>
+          </p:cNvPr>
+          <p:cNvSpPr/>
+          <p:nvPr userDrawn="1"/>
+        </p:nvSpPr>
+        <p:spPr>
+          <a:xfrm rot="16200000">
+            <a:off x="1" y="6432489"/>
+            <a:ext cx="422694" cy="431321"/>
+          </a:xfrm>
+          <a:prstGeom prst="halfFrame">
+            <a:avLst/>
+          </a:prstGeom>
+          <a:solidFill>
+            <a:srgbClr val="FCE47C"/>
+          </a:solidFill>
+          <a:ln>
+            <a:solidFill>
+              <a:schemeClr val="accent4">
+                <a:lumMod val="75000"/>
+              </a:schemeClr>
+            </a:solidFill>
+          </a:ln>
+        </p:spPr>
+        <p:style>
+          <a:lnRef idx="2">
+            <a:schemeClr val="accent1">
+              <a:shade val="50000"/>
+            </a:schemeClr>
+          </a:lnRef>
+          <a:fillRef idx="1">
+            <a:schemeClr val="accent1"/>
+          </a:fillRef>
+          <a:effectRef idx="0">
+            <a:schemeClr val="accent1"/>
+          </a:effectRef>
+          <a:fontRef idx="minor">
+            <a:schemeClr val="lt1"/>
+          </a:fontRef>
+        </p:style>
+        <p:txBody>
+          <a:bodyPr rtlCol="0" anchor="ctr"/>
+          <a:lstStyle/>
+          <a:p>
+            <a:pPr algn="ctr"/>
+            <a:endParaRPr lang="ko-KR" altLang="en-US">
+              <a:solidFill>
+                <a:schemeClr val="tx1"/>
+              </a:solidFill>
+            </a:endParaRPr>
+          </a:p>
+        </p:txBody>
+      </p:sp>
+      <p:sp>
+        <p:nvSpPr>
+          <p:cNvPr id="14" name="1/2 액자 13">
+            <a:extLst>
+              <a:ext uri="{FF2B5EF4-FFF2-40B4-BE49-F238E27FC236}">
+                <a16:creationId xmlns:a16="http://schemas.microsoft.com/office/drawing/2014/main" id="{DCCE7E95-A7DA-1F41-CCAD-0764363BCA12}"/>
+              </a:ext>
+            </a:extLst>
+          </p:cNvPr>
+          <p:cNvSpPr/>
+          <p:nvPr userDrawn="1"/>
+        </p:nvSpPr>
+        <p:spPr>
+          <a:xfrm rot="10800000">
+            <a:off x="11769306" y="6415235"/>
+            <a:ext cx="422694" cy="431321"/>
+          </a:xfrm>
+          <a:prstGeom prst="halfFrame">
+            <a:avLst>
+              <a:gd name="adj1" fmla="val 29251"/>
+              <a:gd name="adj2" fmla="val 41496"/>
+            </a:avLst>
+          </a:prstGeom>
+          <a:solidFill>
+            <a:srgbClr val="FCE47C"/>
+          </a:solidFill>
+          <a:ln>
+            <a:solidFill>
+              <a:schemeClr val="accent4">
+                <a:lumMod val="75000"/>
+              </a:schemeClr>
+            </a:solidFill>
+          </a:ln>
+        </p:spPr>
+        <p:style>
+          <a:lnRef idx="2">
+            <a:schemeClr val="accent1">
+              <a:shade val="50000"/>
+            </a:schemeClr>
+          </a:lnRef>
+          <a:fillRef idx="1">
+            <a:schemeClr val="accent1"/>
+          </a:fillRef>
+          <a:effectRef idx="0">
+            <a:schemeClr val="accent1"/>
+          </a:effectRef>
+          <a:fontRef idx="minor">
+            <a:schemeClr val="lt1"/>
+          </a:fontRef>
+        </p:style>
+        <p:txBody>
+          <a:bodyPr rtlCol="0" anchor="ctr"/>
+          <a:lstStyle/>
+          <a:p>
+            <a:pPr algn="ctr"/>
+            <a:endParaRPr lang="ko-KR" altLang="en-US">
+              <a:solidFill>
+                <a:schemeClr val="tx1"/>
+              </a:solidFill>
+            </a:endParaRPr>
+          </a:p>
+        </p:txBody>
+      </p:sp>
+      <p:sp>
+        <p:nvSpPr>
+          <p:cNvPr id="15" name="1/2 액자 14">
+            <a:extLst>
+              <a:ext uri="{FF2B5EF4-FFF2-40B4-BE49-F238E27FC236}">
+                <a16:creationId xmlns:a16="http://schemas.microsoft.com/office/drawing/2014/main" id="{04DB9FCD-5815-531F-8D54-77F26D7BB1FF}"/>
+              </a:ext>
+            </a:extLst>
+          </p:cNvPr>
+          <p:cNvSpPr/>
+          <p:nvPr userDrawn="1"/>
+        </p:nvSpPr>
+        <p:spPr>
+          <a:xfrm rot="5400000">
+            <a:off x="11777573" y="6771"/>
+            <a:ext cx="422694" cy="406159"/>
+          </a:xfrm>
+          <a:prstGeom prst="halfFrame">
+            <a:avLst>
+              <a:gd name="adj1" fmla="val 43537"/>
+              <a:gd name="adj2" fmla="val 31291"/>
+            </a:avLst>
+          </a:prstGeom>
+          <a:solidFill>
+            <a:srgbClr val="FCE47C"/>
+          </a:solidFill>
+          <a:ln>
+            <a:solidFill>
+              <a:schemeClr val="accent4">
+                <a:lumMod val="75000"/>
+              </a:schemeClr>
+            </a:solidFill>
+          </a:ln>
+        </p:spPr>
+        <p:style>
+          <a:lnRef idx="2">
+            <a:schemeClr val="accent1">
+              <a:shade val="50000"/>
+            </a:schemeClr>
+          </a:lnRef>
+          <a:fillRef idx="1">
+            <a:schemeClr val="accent1"/>
+          </a:fillRef>
+          <a:effectRef idx="0">
+            <a:schemeClr val="accent1"/>
+          </a:effectRef>
+          <a:fontRef idx="minor">
+            <a:schemeClr val="lt1"/>
+          </a:fontRef>
+        </p:style>
+        <p:txBody>
+          <a:bodyPr rtlCol="0" anchor="ctr"/>
+          <a:lstStyle/>
+          <a:p>
+            <a:pPr algn="ctr"/>
+            <a:endParaRPr lang="ko-KR" altLang="en-US">
+              <a:solidFill>
+                <a:schemeClr val="tx1"/>
+              </a:solidFill>
+            </a:endParaRPr>
           </a:p>
         </p:txBody>
       </p:sp>
